--- a/House price Prediction PPT.pptx
+++ b/House price Prediction PPT.pptx
@@ -743,7 +743,7 @@
           <a:p>
             <a:fld id="{C2CF2D03-ABF7-4E84-A093-B888F19FFCE1}" type="datetimeFigureOut">
               <a:rPr lang="en-IN" smtClean="0"/>
-              <a:t>10-03-2024</a:t>
+              <a:t>11-03-2024</a:t>
             </a:fld>
             <a:endParaRPr lang="en-IN"/>
           </a:p>
@@ -913,7 +913,7 @@
           <a:p>
             <a:fld id="{C2CF2D03-ABF7-4E84-A093-B888F19FFCE1}" type="datetimeFigureOut">
               <a:rPr lang="en-IN" smtClean="0"/>
-              <a:t>10-03-2024</a:t>
+              <a:t>11-03-2024</a:t>
             </a:fld>
             <a:endParaRPr lang="en-IN"/>
           </a:p>
@@ -1093,7 +1093,7 @@
           <a:p>
             <a:fld id="{C2CF2D03-ABF7-4E84-A093-B888F19FFCE1}" type="datetimeFigureOut">
               <a:rPr lang="en-IN" smtClean="0"/>
-              <a:t>10-03-2024</a:t>
+              <a:t>11-03-2024</a:t>
             </a:fld>
             <a:endParaRPr lang="en-IN"/>
           </a:p>
@@ -1263,7 +1263,7 @@
           <a:p>
             <a:fld id="{C2CF2D03-ABF7-4E84-A093-B888F19FFCE1}" type="datetimeFigureOut">
               <a:rPr lang="en-IN" smtClean="0"/>
-              <a:t>10-03-2024</a:t>
+              <a:t>11-03-2024</a:t>
             </a:fld>
             <a:endParaRPr lang="en-IN"/>
           </a:p>
@@ -1507,7 +1507,7 @@
           <a:p>
             <a:fld id="{C2CF2D03-ABF7-4E84-A093-B888F19FFCE1}" type="datetimeFigureOut">
               <a:rPr lang="en-IN" smtClean="0"/>
-              <a:t>10-03-2024</a:t>
+              <a:t>11-03-2024</a:t>
             </a:fld>
             <a:endParaRPr lang="en-IN"/>
           </a:p>
@@ -1739,7 +1739,7 @@
           <a:p>
             <a:fld id="{C2CF2D03-ABF7-4E84-A093-B888F19FFCE1}" type="datetimeFigureOut">
               <a:rPr lang="en-IN" smtClean="0"/>
-              <a:t>10-03-2024</a:t>
+              <a:t>11-03-2024</a:t>
             </a:fld>
             <a:endParaRPr lang="en-IN"/>
           </a:p>
@@ -2106,7 +2106,7 @@
           <a:p>
             <a:fld id="{C2CF2D03-ABF7-4E84-A093-B888F19FFCE1}" type="datetimeFigureOut">
               <a:rPr lang="en-IN" smtClean="0"/>
-              <a:t>10-03-2024</a:t>
+              <a:t>11-03-2024</a:t>
             </a:fld>
             <a:endParaRPr lang="en-IN"/>
           </a:p>
@@ -2224,7 +2224,7 @@
           <a:p>
             <a:fld id="{C2CF2D03-ABF7-4E84-A093-B888F19FFCE1}" type="datetimeFigureOut">
               <a:rPr lang="en-IN" smtClean="0"/>
-              <a:t>10-03-2024</a:t>
+              <a:t>11-03-2024</a:t>
             </a:fld>
             <a:endParaRPr lang="en-IN"/>
           </a:p>
@@ -2319,7 +2319,7 @@
           <a:p>
             <a:fld id="{C2CF2D03-ABF7-4E84-A093-B888F19FFCE1}" type="datetimeFigureOut">
               <a:rPr lang="en-IN" smtClean="0"/>
-              <a:t>10-03-2024</a:t>
+              <a:t>11-03-2024</a:t>
             </a:fld>
             <a:endParaRPr lang="en-IN"/>
           </a:p>
@@ -2596,7 +2596,7 @@
           <a:p>
             <a:fld id="{C2CF2D03-ABF7-4E84-A093-B888F19FFCE1}" type="datetimeFigureOut">
               <a:rPr lang="en-IN" smtClean="0"/>
-              <a:t>10-03-2024</a:t>
+              <a:t>11-03-2024</a:t>
             </a:fld>
             <a:endParaRPr lang="en-IN"/>
           </a:p>
@@ -2853,7 +2853,7 @@
           <a:p>
             <a:fld id="{C2CF2D03-ABF7-4E84-A093-B888F19FFCE1}" type="datetimeFigureOut">
               <a:rPr lang="en-IN" smtClean="0"/>
-              <a:t>10-03-2024</a:t>
+              <a:t>11-03-2024</a:t>
             </a:fld>
             <a:endParaRPr lang="en-IN"/>
           </a:p>
@@ -3066,7 +3066,7 @@
           <a:p>
             <a:fld id="{C2CF2D03-ABF7-4E84-A093-B888F19FFCE1}" type="datetimeFigureOut">
               <a:rPr lang="en-IN" smtClean="0"/>
-              <a:t>10-03-2024</a:t>
+              <a:t>11-03-2024</a:t>
             </a:fld>
             <a:endParaRPr lang="en-IN"/>
           </a:p>
@@ -6063,10 +6063,10 @@
           </a:p>
           <a:p>
             <a:r>
-              <a:rPr lang="en-US"/>
+              <a:rPr lang="en-US" dirty="0"/>
               <a:t>Empowered with these insights, we are well-positioned to make informed decisions, tailor marketing strategies, and enhance predictive models for a competitive advantage in the real estate landscape.</a:t>
             </a:r>
-            <a:endParaRPr lang="en-IN"/>
+            <a:endParaRPr lang="en-IN" dirty="0"/>
           </a:p>
         </p:txBody>
       </p:sp>
